--- a/React/lesson_20/Presentation/React_components.pptx
+++ b/React/lesson_20/Presentation/React_components.pptx
@@ -2052,19 +2052,7 @@
               <a:rPr lang="ru-RU" dirty="0">
                 <a:latin typeface="Calibri" pitchFamily="34" charset="0"/>
               </a:rPr>
-              <a:t>Для инициализации компонента с определенными динамическими </a:t>
-            </a:r>
-            <a:r>
-              <a:rPr lang="ru-RU" dirty="0" err="1">
-                <a:latin typeface="Calibri" pitchFamily="34" charset="0"/>
-              </a:rPr>
-              <a:t>своствами</a:t>
-            </a:r>
-            <a:r>
-              <a:rPr lang="ru-RU" dirty="0">
-                <a:latin typeface="Calibri" pitchFamily="34" charset="0"/>
-              </a:rPr>
-              <a:t> используется метод </a:t>
+              <a:t>Для инициализации компонента с определенными динамическими свойствами используется метод </a:t>
             </a:r>
             <a:r>
               <a:rPr lang="en-US" b="1" dirty="0" err="1">
@@ -2869,16 +2857,10 @@
               <a:t>value – </a:t>
             </a:r>
             <a:r>
-              <a:rPr lang="ru-RU" dirty="0" err="1">
-                <a:latin typeface="Calibri" pitchFamily="34" charset="0"/>
-              </a:rPr>
-              <a:t>присваемое</a:t>
-            </a:r>
-            <a:r>
               <a:rPr lang="ru-RU" dirty="0">
                 <a:latin typeface="Calibri" pitchFamily="34" charset="0"/>
               </a:rPr>
-              <a:t> динамическому свойству значение</a:t>
+              <a:t>новое значение свойства</a:t>
             </a:r>
             <a:r>
               <a:rPr lang="en-US" dirty="0">
